--- a/Data607_Project3_Data_Science_Skills.pptx
+++ b/Data607_Project3_Data_Science_Skills.pptx
@@ -5,7 +5,7 @@
     <p:sldMasterId id="2147483650" r:id="rId1"/>
   </p:sldMasterIdLst>
   <p:notesMasterIdLst>
-    <p:notesMasterId r:id="rId14"/>
+    <p:notesMasterId r:id="rId16"/>
   </p:notesMasterIdLst>
   <p:sldIdLst>
     <p:sldId id="256" r:id="rId2"/>
@@ -17,26 +17,28 @@
     <p:sldId id="267" r:id="rId8"/>
     <p:sldId id="260" r:id="rId9"/>
     <p:sldId id="261" r:id="rId10"/>
-    <p:sldId id="262" r:id="rId11"/>
-    <p:sldId id="263" r:id="rId12"/>
-    <p:sldId id="264" r:id="rId13"/>
+    <p:sldId id="269" r:id="rId11"/>
+    <p:sldId id="262" r:id="rId12"/>
+    <p:sldId id="263" r:id="rId13"/>
+    <p:sldId id="264" r:id="rId14"/>
+    <p:sldId id="271" r:id="rId15"/>
   </p:sldIdLst>
   <p:sldSz cx="9144000" cy="5143500" type="screen16x9"/>
   <p:notesSz cx="6858000" cy="9144000"/>
   <p:embeddedFontLst>
     <p:embeddedFont>
       <p:font typeface="Roboto" panose="020B0604020202020204" charset="0"/>
-      <p:regular r:id="rId15"/>
-      <p:bold r:id="rId16"/>
-      <p:italic r:id="rId17"/>
-      <p:boldItalic r:id="rId18"/>
+      <p:regular r:id="rId17"/>
+      <p:bold r:id="rId18"/>
+      <p:italic r:id="rId19"/>
+      <p:boldItalic r:id="rId20"/>
     </p:embeddedFont>
     <p:embeddedFont>
       <p:font typeface="Roboto Light" panose="020B0604020202020204" charset="0"/>
-      <p:regular r:id="rId19"/>
-      <p:bold r:id="rId20"/>
-      <p:italic r:id="rId21"/>
-      <p:boldItalic r:id="rId22"/>
+      <p:regular r:id="rId21"/>
+      <p:bold r:id="rId22"/>
+      <p:italic r:id="rId23"/>
+      <p:boldItalic r:id="rId24"/>
     </p:embeddedFont>
   </p:embeddedFontLst>
   <p:defaultTextStyle>
@@ -285,6 +287,14 @@
     </p:ext>
   </p:extLst>
 </p:presentation>
+</file>
+
+<file path=ppt/revisionInfo.xml><?xml version="1.0" encoding="utf-8"?>
+<p1510:revInfo xmlns:a="http://schemas.openxmlformats.org/drawingml/2006/main" xmlns:r="http://schemas.openxmlformats.org/officeDocument/2006/relationships" xmlns:p1510="http://schemas.microsoft.com/office/powerpoint/2015/10/main">
+  <p1510:revLst>
+    <p1510:client id="{CECD8E56-B57F-2A9B-0062-5444E79E3861}" v="516" dt="2020-03-24T07:19:44.995"/>
+  </p1510:revLst>
+</p1510:revInfo>
 </file>
 
 <file path=ppt/notesMasters/notesMaster1.xml><?xml version="1.0" encoding="utf-8"?>
@@ -1115,7 +1125,7 @@
     </p:spTree>
     <p:extLst>
       <p:ext uri="{BB962C8B-B14F-4D97-AF65-F5344CB8AC3E}">
-        <p14:creationId xmlns:p14="http://schemas.microsoft.com/office/powerpoint/2010/main" val="2155323029"/>
+        <p14:creationId xmlns:p14="http://schemas.microsoft.com/office/powerpoint/2010/main" val="2431081948"/>
       </p:ext>
     </p:extLst>
   </p:cSld>
@@ -1247,7 +1257,7 @@
     </p:spTree>
     <p:extLst>
       <p:ext uri="{BB962C8B-B14F-4D97-AF65-F5344CB8AC3E}">
-        <p14:creationId xmlns:p14="http://schemas.microsoft.com/office/powerpoint/2010/main" val="1542618341"/>
+        <p14:creationId xmlns:p14="http://schemas.microsoft.com/office/powerpoint/2010/main" val="2155323029"/>
       </p:ext>
     </p:extLst>
   </p:cSld>
@@ -1379,7 +1389,271 @@
     </p:spTree>
     <p:extLst>
       <p:ext uri="{BB962C8B-B14F-4D97-AF65-F5344CB8AC3E}">
+        <p14:creationId xmlns:p14="http://schemas.microsoft.com/office/powerpoint/2010/main" val="1542618341"/>
+      </p:ext>
+    </p:extLst>
+  </p:cSld>
+  <p:clrMapOvr>
+    <a:masterClrMapping/>
+  </p:clrMapOvr>
+</p:notes>
+</file>
+
+<file path=ppt/notesSlides/notesSlide13.xml><?xml version="1.0" encoding="utf-8"?>
+<p:notes xmlns:a="http://schemas.openxmlformats.org/drawingml/2006/main" xmlns:r="http://schemas.openxmlformats.org/officeDocument/2006/relationships" xmlns:p="http://schemas.openxmlformats.org/presentationml/2006/main" showMasterSp="0" showMasterPhAnim="0">
+  <p:cSld>
+    <p:spTree>
+      <p:nvGrpSpPr>
+        <p:cNvPr id="1" name="Shape 33"/>
+        <p:cNvGrpSpPr/>
+        <p:nvPr/>
+      </p:nvGrpSpPr>
+      <p:grpSpPr>
+        <a:xfrm>
+          <a:off x="0" y="0"/>
+          <a:ext cx="0" cy="0"/>
+          <a:chOff x="0" y="0"/>
+          <a:chExt cx="0" cy="0"/>
+        </a:xfrm>
+      </p:grpSpPr>
+      <p:sp>
+        <p:nvSpPr>
+          <p:cNvPr id="34" name="Google Shape;34;p3:notes"/>
+          <p:cNvSpPr>
+            <a:spLocks noGrp="1" noRot="1" noChangeAspect="1"/>
+          </p:cNvSpPr>
+          <p:nvPr>
+            <p:ph type="sldImg" idx="2"/>
+          </p:nvPr>
+        </p:nvSpPr>
+        <p:spPr>
+          <a:xfrm>
+            <a:off x="381000" y="685800"/>
+            <a:ext cx="6096000" cy="3429000"/>
+          </a:xfrm>
+          <a:custGeom>
+            <a:avLst/>
+            <a:gdLst/>
+            <a:ahLst/>
+            <a:cxnLst/>
+            <a:rect l="l" t="t" r="r" b="b"/>
+            <a:pathLst>
+              <a:path w="120000" h="120000" extrusionOk="0">
+                <a:moveTo>
+                  <a:pt x="0" y="0"/>
+                </a:moveTo>
+                <a:lnTo>
+                  <a:pt x="120000" y="0"/>
+                </a:lnTo>
+                <a:lnTo>
+                  <a:pt x="120000" y="120000"/>
+                </a:lnTo>
+                <a:lnTo>
+                  <a:pt x="0" y="120000"/>
+                </a:lnTo>
+                <a:close/>
+              </a:path>
+            </a:pathLst>
+          </a:custGeom>
+          <a:noFill/>
+          <a:ln w="9525" cap="flat" cmpd="sng">
+            <a:solidFill>
+              <a:srgbClr val="000000"/>
+            </a:solidFill>
+            <a:prstDash val="solid"/>
+            <a:round/>
+            <a:headEnd type="none" w="sm" len="sm"/>
+            <a:tailEnd type="none" w="sm" len="sm"/>
+          </a:ln>
+        </p:spPr>
+      </p:sp>
+      <p:sp>
+        <p:nvSpPr>
+          <p:cNvPr id="35" name="Google Shape;35;p3:notes"/>
+          <p:cNvSpPr txBox="1">
+            <a:spLocks noGrp="1"/>
+          </p:cNvSpPr>
+          <p:nvPr>
+            <p:ph type="body" idx="1"/>
+          </p:nvPr>
+        </p:nvSpPr>
+        <p:spPr>
+          <a:xfrm>
+            <a:off x="685800" y="4343400"/>
+            <a:ext cx="5486400" cy="4114800"/>
+          </a:xfrm>
+          <a:prstGeom prst="rect">
+            <a:avLst/>
+          </a:prstGeom>
+          <a:noFill/>
+          <a:ln>
+            <a:noFill/>
+          </a:ln>
+        </p:spPr>
+        <p:txBody>
+          <a:bodyPr spcFirstLastPara="1" wrap="square" lIns="91425" tIns="91425" rIns="91425" bIns="91425" anchor="t" anchorCtr="0">
+            <a:noAutofit/>
+          </a:bodyPr>
+          <a:lstStyle/>
+          <a:p>
+            <a:pPr marL="0" lvl="0" indent="0" algn="l" rtl="0">
+              <a:lnSpc>
+                <a:spcPct val="100000"/>
+              </a:lnSpc>
+              <a:spcBef>
+                <a:spcPts val="0"/>
+              </a:spcBef>
+              <a:spcAft>
+                <a:spcPts val="0"/>
+              </a:spcAft>
+              <a:buSzPts val="1100"/>
+              <a:buNone/>
+            </a:pPr>
+            <a:endParaRPr sz="1000">
+              <a:latin typeface="Arial"/>
+              <a:ea typeface="Arial"/>
+              <a:cs typeface="Arial"/>
+              <a:sym typeface="Arial"/>
+            </a:endParaRPr>
+          </a:p>
+        </p:txBody>
+      </p:sp>
+    </p:spTree>
+    <p:extLst>
+      <p:ext uri="{BB962C8B-B14F-4D97-AF65-F5344CB8AC3E}">
         <p14:creationId xmlns:p14="http://schemas.microsoft.com/office/powerpoint/2010/main" val="2220276320"/>
+      </p:ext>
+    </p:extLst>
+  </p:cSld>
+  <p:clrMapOvr>
+    <a:masterClrMapping/>
+  </p:clrMapOvr>
+</p:notes>
+</file>
+
+<file path=ppt/notesSlides/notesSlide14.xml><?xml version="1.0" encoding="utf-8"?>
+<p:notes xmlns:a="http://schemas.openxmlformats.org/drawingml/2006/main" xmlns:r="http://schemas.openxmlformats.org/officeDocument/2006/relationships" xmlns:p="http://schemas.openxmlformats.org/presentationml/2006/main" showMasterSp="0" showMasterPhAnim="0">
+  <p:cSld>
+    <p:spTree>
+      <p:nvGrpSpPr>
+        <p:cNvPr id="1" name="Shape 26"/>
+        <p:cNvGrpSpPr/>
+        <p:nvPr/>
+      </p:nvGrpSpPr>
+      <p:grpSpPr>
+        <a:xfrm>
+          <a:off x="0" y="0"/>
+          <a:ext cx="0" cy="0"/>
+          <a:chOff x="0" y="0"/>
+          <a:chExt cx="0" cy="0"/>
+        </a:xfrm>
+      </p:grpSpPr>
+      <p:sp>
+        <p:nvSpPr>
+          <p:cNvPr id="27" name="Google Shape;27;p2:notes"/>
+          <p:cNvSpPr>
+            <a:spLocks noGrp="1" noRot="1" noChangeAspect="1"/>
+          </p:cNvSpPr>
+          <p:nvPr>
+            <p:ph type="sldImg" idx="2"/>
+          </p:nvPr>
+        </p:nvSpPr>
+        <p:spPr>
+          <a:xfrm>
+            <a:off x="381000" y="685800"/>
+            <a:ext cx="6096000" cy="3429000"/>
+          </a:xfrm>
+          <a:custGeom>
+            <a:avLst/>
+            <a:gdLst/>
+            <a:ahLst/>
+            <a:cxnLst/>
+            <a:rect l="l" t="t" r="r" b="b"/>
+            <a:pathLst>
+              <a:path w="120000" h="120000" extrusionOk="0">
+                <a:moveTo>
+                  <a:pt x="0" y="0"/>
+                </a:moveTo>
+                <a:lnTo>
+                  <a:pt x="120000" y="0"/>
+                </a:lnTo>
+                <a:lnTo>
+                  <a:pt x="120000" y="120000"/>
+                </a:lnTo>
+                <a:lnTo>
+                  <a:pt x="0" y="120000"/>
+                </a:lnTo>
+                <a:close/>
+              </a:path>
+            </a:pathLst>
+          </a:custGeom>
+          <a:noFill/>
+          <a:ln w="9525" cap="flat" cmpd="sng">
+            <a:solidFill>
+              <a:srgbClr val="000000"/>
+            </a:solidFill>
+            <a:prstDash val="solid"/>
+            <a:round/>
+            <a:headEnd type="none" w="sm" len="sm"/>
+            <a:tailEnd type="none" w="sm" len="sm"/>
+          </a:ln>
+        </p:spPr>
+      </p:sp>
+      <p:sp>
+        <p:nvSpPr>
+          <p:cNvPr id="28" name="Google Shape;28;p2:notes"/>
+          <p:cNvSpPr txBox="1">
+            <a:spLocks noGrp="1"/>
+          </p:cNvSpPr>
+          <p:nvPr>
+            <p:ph type="body" idx="1"/>
+          </p:nvPr>
+        </p:nvSpPr>
+        <p:spPr>
+          <a:xfrm>
+            <a:off x="685800" y="4343400"/>
+            <a:ext cx="5486400" cy="4114800"/>
+          </a:xfrm>
+          <a:prstGeom prst="rect">
+            <a:avLst/>
+          </a:prstGeom>
+          <a:noFill/>
+          <a:ln>
+            <a:noFill/>
+          </a:ln>
+        </p:spPr>
+        <p:txBody>
+          <a:bodyPr spcFirstLastPara="1" wrap="square" lIns="91425" tIns="91425" rIns="91425" bIns="91425" anchor="t" anchorCtr="0">
+            <a:noAutofit/>
+          </a:bodyPr>
+          <a:lstStyle/>
+          <a:p>
+            <a:pPr marL="0" lvl="0" indent="0" algn="l" rtl="0">
+              <a:lnSpc>
+                <a:spcPct val="100000"/>
+              </a:lnSpc>
+              <a:spcBef>
+                <a:spcPts val="0"/>
+              </a:spcBef>
+              <a:spcAft>
+                <a:spcPts val="0"/>
+              </a:spcAft>
+              <a:buSzPts val="1100"/>
+              <a:buNone/>
+            </a:pPr>
+            <a:endParaRPr sz="1000">
+              <a:latin typeface="Arial"/>
+              <a:ea typeface="Arial"/>
+              <a:cs typeface="Arial"/>
+              <a:sym typeface="Arial"/>
+            </a:endParaRPr>
+          </a:p>
+        </p:txBody>
+      </p:sp>
+    </p:spTree>
+    <p:extLst>
+      <p:ext uri="{BB962C8B-B14F-4D97-AF65-F5344CB8AC3E}">
+        <p14:creationId xmlns:p14="http://schemas.microsoft.com/office/powerpoint/2010/main" val="3913811942"/>
       </p:ext>
     </p:extLst>
   </p:cSld>
@@ -3908,6 +4182,177 @@
                 <a:cs typeface="Roboto"/>
                 <a:sym typeface="Roboto"/>
               </a:rPr>
+              <a:t>Platforms</a:t>
+            </a:r>
+            <a:endParaRPr sz="2400" b="0" i="0" u="none" strike="noStrike" cap="none" dirty="0">
+              <a:solidFill>
+                <a:srgbClr val="002060"/>
+              </a:solidFill>
+              <a:latin typeface="Roboto"/>
+              <a:ea typeface="Roboto"/>
+              <a:cs typeface="Roboto"/>
+              <a:sym typeface="Roboto"/>
+            </a:endParaRPr>
+          </a:p>
+        </p:txBody>
+      </p:sp>
+      <p:sp>
+        <p:nvSpPr>
+          <p:cNvPr id="4" name="TextBox 3">
+            <a:extLst>
+              <a:ext uri="{FF2B5EF4-FFF2-40B4-BE49-F238E27FC236}">
+                <a16:creationId xmlns:a16="http://schemas.microsoft.com/office/drawing/2014/main" id="{D00590C0-70A8-427B-9AD4-4BDD44628AB8}"/>
+              </a:ext>
+            </a:extLst>
+          </p:cNvPr>
+          <p:cNvSpPr txBox="1"/>
+          <p:nvPr/>
+        </p:nvSpPr>
+        <p:spPr>
+          <a:xfrm>
+            <a:off x="3004457" y="1045029"/>
+            <a:ext cx="3042877" cy="307777"/>
+          </a:xfrm>
+          <a:prstGeom prst="rect">
+            <a:avLst/>
+          </a:prstGeom>
+          <a:noFill/>
+        </p:spPr>
+        <p:txBody>
+          <a:bodyPr wrap="square" rtlCol="0" anchor="t">
+            <a:spAutoFit/>
+          </a:bodyPr>
+          <a:lstStyle/>
+          <a:p>
+            <a:r>
+              <a:rPr lang="en-US" b="1" dirty="0">
+                <a:solidFill>
+                  <a:srgbClr val="002060"/>
+                </a:solidFill>
+                <a:latin typeface="Roboto"/>
+                <a:ea typeface="Roboto"/>
+              </a:rPr>
+              <a:t>#1 Platform by Preference</a:t>
+            </a:r>
+            <a:endParaRPr lang="en-US" dirty="0"/>
+          </a:p>
+        </p:txBody>
+      </p:sp>
+      <p:pic>
+        <p:nvPicPr>
+          <p:cNvPr id="3" name="Picture 4" descr="A screenshot of a cell phone&#10;&#10;Description generated with high confidence">
+            <a:extLst>
+              <a:ext uri="{FF2B5EF4-FFF2-40B4-BE49-F238E27FC236}">
+                <a16:creationId xmlns:a16="http://schemas.microsoft.com/office/drawing/2014/main" id="{8790A7E0-28BA-45C5-BCE5-58095C874A39}"/>
+              </a:ext>
+            </a:extLst>
+          </p:cNvPr>
+          <p:cNvPicPr>
+            <a:picLocks noChangeAspect="1"/>
+          </p:cNvPicPr>
+          <p:nvPr/>
+        </p:nvPicPr>
+        <p:blipFill rotWithShape="1">
+          <a:blip r:embed="rId3"/>
+          <a:srcRect l="3900" r="156" b="10886"/>
+          <a:stretch/>
+        </p:blipFill>
+        <p:spPr>
+          <a:xfrm>
+            <a:off x="1275790" y="1414314"/>
+            <a:ext cx="5895062" cy="3381836"/>
+          </a:xfrm>
+          <a:prstGeom prst="rect">
+            <a:avLst/>
+          </a:prstGeom>
+        </p:spPr>
+      </p:pic>
+    </p:spTree>
+    <p:extLst>
+      <p:ext uri="{BB962C8B-B14F-4D97-AF65-F5344CB8AC3E}">
+        <p14:creationId xmlns:p14="http://schemas.microsoft.com/office/powerpoint/2010/main" val="3374438203"/>
+      </p:ext>
+    </p:extLst>
+  </p:cSld>
+  <p:clrMapOvr>
+    <a:masterClrMapping/>
+  </p:clrMapOvr>
+</p:sld>
+</file>
+
+<file path=ppt/slides/slide11.xml><?xml version="1.0" encoding="utf-8"?>
+<p:sld xmlns:a="http://schemas.openxmlformats.org/drawingml/2006/main" xmlns:r="http://schemas.openxmlformats.org/officeDocument/2006/relationships" xmlns:p="http://schemas.openxmlformats.org/presentationml/2006/main">
+  <p:cSld>
+    <p:spTree>
+      <p:nvGrpSpPr>
+        <p:cNvPr id="1" name="Shape 36"/>
+        <p:cNvGrpSpPr/>
+        <p:nvPr/>
+      </p:nvGrpSpPr>
+      <p:grpSpPr>
+        <a:xfrm>
+          <a:off x="0" y="0"/>
+          <a:ext cx="0" cy="0"/>
+          <a:chOff x="0" y="0"/>
+          <a:chExt cx="0" cy="0"/>
+        </a:xfrm>
+      </p:grpSpPr>
+      <p:sp>
+        <p:nvSpPr>
+          <p:cNvPr id="37" name="Google Shape;37;p6"/>
+          <p:cNvSpPr txBox="1">
+            <a:spLocks noGrp="1"/>
+          </p:cNvSpPr>
+          <p:nvPr>
+            <p:ph type="ctrTitle"/>
+          </p:nvPr>
+        </p:nvSpPr>
+        <p:spPr>
+          <a:xfrm>
+            <a:off x="339375" y="402844"/>
+            <a:ext cx="3739011" cy="403200"/>
+          </a:xfrm>
+          <a:prstGeom prst="rect">
+            <a:avLst/>
+          </a:prstGeom>
+          <a:noFill/>
+          <a:ln>
+            <a:noFill/>
+          </a:ln>
+        </p:spPr>
+        <p:txBody>
+          <a:bodyPr spcFirstLastPara="1" wrap="square" lIns="91425" tIns="91425" rIns="91425" bIns="91425" anchor="t" anchorCtr="0">
+            <a:noAutofit/>
+          </a:bodyPr>
+          <a:lstStyle/>
+          <a:p>
+            <a:pPr marL="0" marR="0" lvl="0" indent="0" algn="l" rtl="0">
+              <a:lnSpc>
+                <a:spcPct val="100000"/>
+              </a:lnSpc>
+              <a:spcBef>
+                <a:spcPts val="0"/>
+              </a:spcBef>
+              <a:spcAft>
+                <a:spcPts val="0"/>
+              </a:spcAft>
+              <a:buClr>
+                <a:srgbClr val="000000"/>
+              </a:buClr>
+              <a:buSzPts val="2400"/>
+              <a:buFont typeface="Arial"/>
+              <a:buNone/>
+            </a:pPr>
+            <a:r>
+              <a:rPr lang="en-US" sz="2400" b="0" i="0" u="none" strike="noStrike" cap="none" dirty="0">
+                <a:solidFill>
+                  <a:srgbClr val="002060"/>
+                </a:solidFill>
+                <a:latin typeface="Roboto"/>
+                <a:ea typeface="Roboto"/>
+                <a:cs typeface="Roboto"/>
+                <a:sym typeface="Roboto"/>
+              </a:rPr>
               <a:t>Web Frames</a:t>
             </a:r>
             <a:endParaRPr sz="2400" b="0" i="0" u="none" strike="noStrike" cap="none" dirty="0">
@@ -4006,7 +4451,7 @@
 </p:sld>
 </file>
 
-<file path=ppt/slides/slide11.xml><?xml version="1.0" encoding="utf-8"?>
+<file path=ppt/slides/slide12.xml><?xml version="1.0" encoding="utf-8"?>
 <p:sld xmlns:a="http://schemas.openxmlformats.org/drawingml/2006/main" xmlns:r="http://schemas.openxmlformats.org/officeDocument/2006/relationships" xmlns:p="http://schemas.openxmlformats.org/presentationml/2006/main">
   <p:cSld>
     <p:spTree>
@@ -4345,7 +4790,7 @@
 </p:sld>
 </file>
 
-<file path=ppt/slides/slide12.xml><?xml version="1.0" encoding="utf-8"?>
+<file path=ppt/slides/slide13.xml><?xml version="1.0" encoding="utf-8"?>
 <p:sld xmlns:a="http://schemas.openxmlformats.org/drawingml/2006/main" xmlns:r="http://schemas.openxmlformats.org/officeDocument/2006/relationships" xmlns:p="http://schemas.openxmlformats.org/presentationml/2006/main">
   <p:cSld>
     <p:spTree>
@@ -4507,6 +4952,319 @@
     <p:extLst>
       <p:ext uri="{BB962C8B-B14F-4D97-AF65-F5344CB8AC3E}">
         <p14:creationId xmlns:p14="http://schemas.microsoft.com/office/powerpoint/2010/main" val="503125121"/>
+      </p:ext>
+    </p:extLst>
+  </p:cSld>
+  <p:clrMapOvr>
+    <a:masterClrMapping/>
+  </p:clrMapOvr>
+</p:sld>
+</file>
+
+<file path=ppt/slides/slide14.xml><?xml version="1.0" encoding="utf-8"?>
+<p:sld xmlns:a="http://schemas.openxmlformats.org/drawingml/2006/main" xmlns:r="http://schemas.openxmlformats.org/officeDocument/2006/relationships" xmlns:p="http://schemas.openxmlformats.org/presentationml/2006/main">
+  <p:cSld>
+    <p:spTree>
+      <p:nvGrpSpPr>
+        <p:cNvPr id="1" name="Shape 29"/>
+        <p:cNvGrpSpPr/>
+        <p:nvPr/>
+      </p:nvGrpSpPr>
+      <p:grpSpPr>
+        <a:xfrm>
+          <a:off x="0" y="0"/>
+          <a:ext cx="0" cy="0"/>
+          <a:chOff x="0" y="0"/>
+          <a:chExt cx="0" cy="0"/>
+        </a:xfrm>
+      </p:grpSpPr>
+      <p:sp>
+        <p:nvSpPr>
+          <p:cNvPr id="30" name="Google Shape;30;p5"/>
+          <p:cNvSpPr txBox="1">
+            <a:spLocks noGrp="1"/>
+          </p:cNvSpPr>
+          <p:nvPr>
+            <p:ph type="ctrTitle"/>
+          </p:nvPr>
+        </p:nvSpPr>
+        <p:spPr>
+          <a:xfrm>
+            <a:off x="339375" y="402844"/>
+            <a:ext cx="2274352" cy="403200"/>
+          </a:xfrm>
+          <a:prstGeom prst="rect">
+            <a:avLst/>
+          </a:prstGeom>
+          <a:noFill/>
+          <a:ln>
+            <a:noFill/>
+          </a:ln>
+        </p:spPr>
+        <p:txBody>
+          <a:bodyPr spcFirstLastPara="1" wrap="square" lIns="91425" tIns="91425" rIns="91425" bIns="91425" anchor="t" anchorCtr="0">
+            <a:noAutofit/>
+          </a:bodyPr>
+          <a:lstStyle/>
+          <a:p>
+            <a:pPr marL="0" marR="0" lvl="0" indent="0" algn="l">
+              <a:lnSpc>
+                <a:spcPct val="100000"/>
+              </a:lnSpc>
+              <a:spcBef>
+                <a:spcPts val="0"/>
+              </a:spcBef>
+              <a:spcAft>
+                <a:spcPts val="0"/>
+              </a:spcAft>
+              <a:buClr>
+                <a:srgbClr val="000000"/>
+              </a:buClr>
+              <a:buSzPts val="2400"/>
+              <a:buNone/>
+            </a:pPr>
+            <a:r>
+              <a:rPr lang="en-US" sz="2400" dirty="0">
+                <a:solidFill>
+                  <a:srgbClr val="002060"/>
+                </a:solidFill>
+                <a:latin typeface="Roboto"/>
+                <a:ea typeface="Roboto"/>
+                <a:sym typeface="Roboto"/>
+              </a:rPr>
+              <a:t>Conclusions</a:t>
+            </a:r>
+            <a:endParaRPr lang="en-US" dirty="0"/>
+          </a:p>
+        </p:txBody>
+      </p:sp>
+      <p:sp>
+        <p:nvSpPr>
+          <p:cNvPr id="31" name="Google Shape;31;p5"/>
+          <p:cNvSpPr/>
+          <p:nvPr/>
+        </p:nvSpPr>
+        <p:spPr>
+          <a:xfrm>
+            <a:off x="1030936" y="967606"/>
+            <a:ext cx="5366722" cy="3411300"/>
+          </a:xfrm>
+          <a:prstGeom prst="rect">
+            <a:avLst/>
+          </a:prstGeom>
+          <a:noFill/>
+          <a:ln>
+            <a:noFill/>
+          </a:ln>
+        </p:spPr>
+        <p:txBody>
+          <a:bodyPr spcFirstLastPara="1" wrap="square" lIns="91425" tIns="45700" rIns="91425" bIns="45700" anchor="t" anchorCtr="0">
+            <a:noAutofit/>
+          </a:bodyPr>
+          <a:lstStyle/>
+          <a:p>
+            <a:pPr marL="285750" indent="-285750">
+              <a:buSzPts val="1400"/>
+              <a:buFont typeface="Arial"/>
+              <a:buChar char="•"/>
+            </a:pPr>
+            <a:r>
+              <a:rPr lang="en-US" dirty="0"/>
+              <a:t>Demographics – US response is 3 times next country (India)</a:t>
+            </a:r>
+            <a:endParaRPr sz="1400" b="0" i="0" u="none" strike="noStrike" cap="none" dirty="0">
+              <a:solidFill>
+                <a:srgbClr val="000000"/>
+              </a:solidFill>
+              <a:latin typeface="Arial"/>
+              <a:ea typeface="Arial"/>
+              <a:cs typeface="Arial"/>
+              <a:sym typeface="Arial"/>
+            </a:endParaRPr>
+          </a:p>
+          <a:p>
+            <a:pPr marL="285750" indent="-285750">
+              <a:spcBef>
+                <a:spcPts val="1200"/>
+              </a:spcBef>
+              <a:buSzPts val="1400"/>
+              <a:buFont typeface="Arial"/>
+              <a:buChar char="•"/>
+            </a:pPr>
+            <a:r>
+              <a:rPr lang="en-US" dirty="0"/>
+              <a:t>No regional differences with respect to job satisfaction</a:t>
+            </a:r>
+          </a:p>
+          <a:p>
+            <a:pPr marL="285750" indent="-285750">
+              <a:spcBef>
+                <a:spcPts val="1200"/>
+              </a:spcBef>
+              <a:buSzPts val="1400"/>
+              <a:buFont typeface="Arial"/>
+              <a:buChar char="•"/>
+            </a:pPr>
+            <a:r>
+              <a:rPr lang="en-US" dirty="0"/>
+              <a:t>SQL popular overall for both language and database</a:t>
+            </a:r>
+          </a:p>
+          <a:p>
+            <a:pPr marL="285750" indent="-285750">
+              <a:spcBef>
+                <a:spcPts val="1200"/>
+              </a:spcBef>
+              <a:buSzPts val="1400"/>
+              <a:buFont typeface="Arial"/>
+              <a:buChar char="•"/>
+            </a:pPr>
+            <a:r>
+              <a:rPr lang="en-US" dirty="0"/>
+              <a:t>Platforms – Linux or Windows, runner up Android</a:t>
+            </a:r>
+          </a:p>
+          <a:p>
+            <a:pPr marL="285750" indent="-285750">
+              <a:spcBef>
+                <a:spcPts val="1200"/>
+              </a:spcBef>
+              <a:buSzPts val="1400"/>
+              <a:buFont typeface="Arial"/>
+              <a:buChar char="•"/>
+            </a:pPr>
+            <a:r>
+              <a:rPr lang="en-US" dirty="0"/>
+              <a:t>Web frames, dev. environments, OS – no surprises</a:t>
+            </a:r>
+          </a:p>
+          <a:p>
+            <a:pPr marL="285750" indent="-285750">
+              <a:spcBef>
+                <a:spcPts val="1200"/>
+              </a:spcBef>
+              <a:buSzPts val="1400"/>
+              <a:buFont typeface="Arial"/>
+              <a:buChar char="•"/>
+            </a:pPr>
+            <a:endParaRPr lang="en-US" sz="1400" b="0" i="0" u="none" strike="noStrike" cap="none" dirty="0">
+              <a:solidFill>
+                <a:srgbClr val="000000"/>
+              </a:solidFill>
+              <a:latin typeface="Arial"/>
+              <a:ea typeface="Arial"/>
+              <a:cs typeface="Arial"/>
+            </a:endParaRPr>
+          </a:p>
+          <a:p>
+            <a:pPr marL="285750" indent="-285750">
+              <a:spcBef>
+                <a:spcPts val="1200"/>
+              </a:spcBef>
+              <a:buSzPts val="1400"/>
+              <a:buFont typeface="Arial"/>
+              <a:buChar char="•"/>
+            </a:pPr>
+            <a:r>
+              <a:rPr lang="en-US" b="1" dirty="0"/>
+              <a:t>For Further Research:</a:t>
+            </a:r>
+          </a:p>
+          <a:p>
+            <a:pPr marL="285750" lvl="1" indent="-285750">
+              <a:spcBef>
+                <a:spcPts val="1200"/>
+              </a:spcBef>
+              <a:buSzPts val="1400"/>
+              <a:buFont typeface="Arial"/>
+              <a:buChar char="•"/>
+            </a:pPr>
+            <a:r>
+              <a:rPr lang="en-US" dirty="0"/>
+              <a:t>Pinpoint any patterns in tech preference</a:t>
+            </a:r>
+          </a:p>
+          <a:p>
+            <a:pPr marL="285750" lvl="1" indent="-285750">
+              <a:spcBef>
+                <a:spcPts val="1200"/>
+              </a:spcBef>
+              <a:buSzPts val="1400"/>
+              <a:buFont typeface="Arial"/>
+              <a:buChar char="•"/>
+            </a:pPr>
+            <a:r>
+              <a:rPr lang="en-US" dirty="0"/>
+              <a:t>Validate the definition of 'data scientist'</a:t>
+            </a:r>
+          </a:p>
+          <a:p>
+            <a:pPr marL="285750" lvl="1" indent="-285750">
+              <a:spcBef>
+                <a:spcPts val="1200"/>
+              </a:spcBef>
+              <a:buSzPts val="1400"/>
+              <a:buFont typeface="Arial"/>
+              <a:buChar char="•"/>
+            </a:pPr>
+            <a:r>
+              <a:rPr lang="en-US" dirty="0"/>
+              <a:t>Incorporate statistical inference techniques</a:t>
+            </a:r>
+          </a:p>
+          <a:p>
+            <a:pPr marL="285750" lvl="1" indent="-285750">
+              <a:spcBef>
+                <a:spcPts val="1200"/>
+              </a:spcBef>
+              <a:buSzPts val="1400"/>
+              <a:buFont typeface="Arial"/>
+              <a:buChar char="•"/>
+            </a:pPr>
+            <a:r>
+              <a:rPr lang="en-US" dirty="0"/>
+              <a:t>U.S. patterns – request state data from Stack Overflow</a:t>
+            </a:r>
+          </a:p>
+          <a:p>
+            <a:pPr marL="285750" lvl="1" indent="-285750">
+              <a:spcBef>
+                <a:spcPts val="1200"/>
+              </a:spcBef>
+              <a:buSzPts val="1400"/>
+              <a:buFont typeface="Arial"/>
+              <a:buChar char="•"/>
+            </a:pPr>
+            <a:endParaRPr lang="en-US" dirty="0"/>
+          </a:p>
+          <a:p>
+            <a:pPr marL="285750" lvl="1" indent="-285750">
+              <a:spcBef>
+                <a:spcPts val="1200"/>
+              </a:spcBef>
+              <a:buSzPts val="1400"/>
+              <a:buFont typeface="Arial"/>
+              <a:buChar char="•"/>
+            </a:pPr>
+            <a:endParaRPr lang="en-US" dirty="0"/>
+          </a:p>
+          <a:p>
+            <a:pPr marL="285750" lvl="1" indent="-285750">
+              <a:spcBef>
+                <a:spcPts val="1200"/>
+              </a:spcBef>
+              <a:buSzPts val="1400"/>
+              <a:buFont typeface="Arial"/>
+              <a:buChar char="•"/>
+            </a:pPr>
+            <a:endParaRPr lang="en-US" dirty="0"/>
+          </a:p>
+        </p:txBody>
+      </p:sp>
+    </p:spTree>
+    <p:extLst>
+      <p:ext uri="{BB962C8B-B14F-4D97-AF65-F5344CB8AC3E}">
+        <p14:creationId xmlns:p14="http://schemas.microsoft.com/office/powerpoint/2010/main" val="976658202"/>
       </p:ext>
     </p:extLst>
   </p:cSld>
